--- a/Debugging with VS2017.pptx
+++ b/Debugging with VS2017.pptx
@@ -298,7 +298,7 @@
           <a:p>
             <a:fld id="{24DD2C95-7D8C-7A44-9F11-91278CA578E4}" type="datetimeFigureOut">
               <a:rPr lang="en-US" smtClean="0"/>
-              <a:t>8/29/2018</a:t>
+              <a:t>9/13/2018</a:t>
             </a:fld>
             <a:endParaRPr lang="en-US"/>
           </a:p>
@@ -463,7 +463,7 @@
           <a:p>
             <a:fld id="{03E19544-68FF-8744-AC7F-286BE28AA5B2}" type="datetimeFigureOut">
               <a:rPr lang="en-US" smtClean="0"/>
-              <a:t>8/29/2018</a:t>
+              <a:t>9/13/2018</a:t>
             </a:fld>
             <a:endParaRPr lang="en-US"/>
           </a:p>
@@ -7679,7 +7679,7 @@
           <a:p>
             <a:fld id="{D374885F-E128-D84F-8C1F-232D171C4F1C}" type="datetimeFigureOut">
               <a:rPr lang="en-US" smtClean="0"/>
-              <a:t>8/29/2018</a:t>
+              <a:t>9/13/2018</a:t>
             </a:fld>
             <a:endParaRPr lang="en-US"/>
           </a:p>
